--- a/Documentation/EECS_448 Project 3.pptx
+++ b/Documentation/EECS_448 Project 3.pptx
@@ -5,13 +5,17 @@
     <p:sldMasterId id="2147483648" r:id="rId1"/>
     <p:sldMasterId id="2147483661" r:id="rId2"/>
   </p:sldMasterIdLst>
+  <p:notesMasterIdLst>
+    <p:notesMasterId r:id="rId10"/>
+  </p:notesMasterIdLst>
   <p:sldIdLst>
     <p:sldId id="256" r:id="rId3"/>
     <p:sldId id="257" r:id="rId4"/>
     <p:sldId id="258" r:id="rId5"/>
     <p:sldId id="259" r:id="rId6"/>
-    <p:sldId id="260" r:id="rId7"/>
-    <p:sldId id="261" r:id="rId8"/>
+    <p:sldId id="262" r:id="rId7"/>
+    <p:sldId id="260" r:id="rId8"/>
+    <p:sldId id="261" r:id="rId9"/>
   </p:sldIdLst>
   <p:sldSz cx="12192000" cy="6858000"/>
   <p:notesSz cx="7772400" cy="10058400"/>
@@ -112,10 +116,360 @@
   </p:defaultTextStyle>
   <p:extLst>
     <p:ext uri="{EFAFB233-063F-42B5-8137-9DF3F51BA10A}">
-      <p15:sldGuideLst xmlns:p15="http://schemas.microsoft.com/office/powerpoint/2012/main"/>
+      <p15:sldGuideLst xmlns:p15="http://schemas.microsoft.com/office/powerpoint/2012/main" xmlns=""/>
     </p:ext>
   </p:extLst>
 </p:presentation>
+</file>
+
+<file path=ppt/notesMasters/notesMaster1.xml><?xml version="1.0" encoding="utf-8"?>
+<p:notesMaster xmlns:a="http://schemas.openxmlformats.org/drawingml/2006/main" xmlns:r="http://schemas.openxmlformats.org/officeDocument/2006/relationships" xmlns:p="http://schemas.openxmlformats.org/presentationml/2006/main">
+  <p:cSld>
+    <p:bg>
+      <p:bgRef idx="1001">
+        <a:schemeClr val="bg1"/>
+      </p:bgRef>
+    </p:bg>
+    <p:spTree>
+      <p:nvGrpSpPr>
+        <p:cNvPr id="1" name=""/>
+        <p:cNvGrpSpPr/>
+        <p:nvPr/>
+      </p:nvGrpSpPr>
+      <p:grpSpPr>
+        <a:xfrm>
+          <a:off x="0" y="0"/>
+          <a:ext cx="0" cy="0"/>
+          <a:chOff x="0" y="0"/>
+          <a:chExt cx="0" cy="0"/>
+        </a:xfrm>
+      </p:grpSpPr>
+      <p:sp>
+        <p:nvSpPr>
+          <p:cNvPr id="2" name="Header Placeholder 1"/>
+          <p:cNvSpPr>
+            <a:spLocks noGrp="1"/>
+          </p:cNvSpPr>
+          <p:nvPr>
+            <p:ph type="hdr" sz="quarter"/>
+          </p:nvPr>
+        </p:nvSpPr>
+        <p:spPr>
+          <a:xfrm>
+            <a:off x="0" y="0"/>
+            <a:ext cx="3368675" cy="503238"/>
+          </a:xfrm>
+          <a:prstGeom prst="rect">
+            <a:avLst/>
+          </a:prstGeom>
+        </p:spPr>
+        <p:txBody>
+          <a:bodyPr vert="horz" lIns="91440" tIns="45720" rIns="91440" bIns="45720" rtlCol="0"/>
+          <a:lstStyle>
+            <a:lvl1pPr algn="l">
+              <a:defRPr sz="1200"/>
+            </a:lvl1pPr>
+          </a:lstStyle>
+          <a:p>
+            <a:endParaRPr lang="en-US"/>
+          </a:p>
+        </p:txBody>
+      </p:sp>
+      <p:sp>
+        <p:nvSpPr>
+          <p:cNvPr id="3" name="Date Placeholder 2"/>
+          <p:cNvSpPr>
+            <a:spLocks noGrp="1"/>
+          </p:cNvSpPr>
+          <p:nvPr>
+            <p:ph type="dt" idx="1"/>
+          </p:nvPr>
+        </p:nvSpPr>
+        <p:spPr>
+          <a:xfrm>
+            <a:off x="4402138" y="0"/>
+            <a:ext cx="3368675" cy="503238"/>
+          </a:xfrm>
+          <a:prstGeom prst="rect">
+            <a:avLst/>
+          </a:prstGeom>
+        </p:spPr>
+        <p:txBody>
+          <a:bodyPr vert="horz" lIns="91440" tIns="45720" rIns="91440" bIns="45720" rtlCol="0"/>
+          <a:lstStyle>
+            <a:lvl1pPr algn="r">
+              <a:defRPr sz="1200"/>
+            </a:lvl1pPr>
+          </a:lstStyle>
+          <a:p>
+            <a:fld id="{26A26745-FBD8-4412-9F3C-D7B1E2EC722F}" type="datetimeFigureOut">
+              <a:rPr lang="en-US" smtClean="0"/>
+              <a:t>11/1/2016</a:t>
+            </a:fld>
+            <a:endParaRPr lang="en-US"/>
+          </a:p>
+        </p:txBody>
+      </p:sp>
+      <p:sp>
+        <p:nvSpPr>
+          <p:cNvPr id="4" name="Slide Image Placeholder 3"/>
+          <p:cNvSpPr>
+            <a:spLocks noGrp="1" noRot="1" noChangeAspect="1"/>
+          </p:cNvSpPr>
+          <p:nvPr>
+            <p:ph type="sldImg" idx="2"/>
+          </p:nvPr>
+        </p:nvSpPr>
+        <p:spPr>
+          <a:xfrm>
+            <a:off x="533400" y="754063"/>
+            <a:ext cx="6705600" cy="3771900"/>
+          </a:xfrm>
+          <a:prstGeom prst="rect">
+            <a:avLst/>
+          </a:prstGeom>
+          <a:noFill/>
+          <a:ln w="12700">
+            <a:solidFill>
+              <a:prstClr val="black"/>
+            </a:solidFill>
+          </a:ln>
+        </p:spPr>
+        <p:txBody>
+          <a:bodyPr vert="horz" lIns="91440" tIns="45720" rIns="91440" bIns="45720" rtlCol="0" anchor="ctr"/>
+          <a:lstStyle/>
+          <a:p>
+            <a:endParaRPr lang="en-US"/>
+          </a:p>
+        </p:txBody>
+      </p:sp>
+      <p:sp>
+        <p:nvSpPr>
+          <p:cNvPr id="5" name="Notes Placeholder 4"/>
+          <p:cNvSpPr>
+            <a:spLocks noGrp="1"/>
+          </p:cNvSpPr>
+          <p:nvPr>
+            <p:ph type="body" sz="quarter" idx="3"/>
+          </p:nvPr>
+        </p:nvSpPr>
+        <p:spPr>
+          <a:xfrm>
+            <a:off x="777875" y="4778375"/>
+            <a:ext cx="6216650" cy="4525963"/>
+          </a:xfrm>
+          <a:prstGeom prst="rect">
+            <a:avLst/>
+          </a:prstGeom>
+        </p:spPr>
+        <p:txBody>
+          <a:bodyPr vert="horz" lIns="91440" tIns="45720" rIns="91440" bIns="45720" rtlCol="0"/>
+          <a:lstStyle/>
+          <a:p>
+            <a:pPr lvl="0"/>
+            <a:r>
+              <a:rPr lang="en-US" smtClean="0"/>
+              <a:t>Click to edit Master text styles</a:t>
+            </a:r>
+          </a:p>
+          <a:p>
+            <a:pPr lvl="1"/>
+            <a:r>
+              <a:rPr lang="en-US" smtClean="0"/>
+              <a:t>Second level</a:t>
+            </a:r>
+          </a:p>
+          <a:p>
+            <a:pPr lvl="2"/>
+            <a:r>
+              <a:rPr lang="en-US" smtClean="0"/>
+              <a:t>Third level</a:t>
+            </a:r>
+          </a:p>
+          <a:p>
+            <a:pPr lvl="3"/>
+            <a:r>
+              <a:rPr lang="en-US" smtClean="0"/>
+              <a:t>Fourth level</a:t>
+            </a:r>
+          </a:p>
+          <a:p>
+            <a:pPr lvl="4"/>
+            <a:r>
+              <a:rPr lang="en-US" smtClean="0"/>
+              <a:t>Fifth level</a:t>
+            </a:r>
+            <a:endParaRPr lang="en-US"/>
+          </a:p>
+        </p:txBody>
+      </p:sp>
+      <p:sp>
+        <p:nvSpPr>
+          <p:cNvPr id="6" name="Footer Placeholder 5"/>
+          <p:cNvSpPr>
+            <a:spLocks noGrp="1"/>
+          </p:cNvSpPr>
+          <p:nvPr>
+            <p:ph type="ftr" sz="quarter" idx="4"/>
+          </p:nvPr>
+        </p:nvSpPr>
+        <p:spPr>
+          <a:xfrm>
+            <a:off x="0" y="9553575"/>
+            <a:ext cx="3368675" cy="503238"/>
+          </a:xfrm>
+          <a:prstGeom prst="rect">
+            <a:avLst/>
+          </a:prstGeom>
+        </p:spPr>
+        <p:txBody>
+          <a:bodyPr vert="horz" lIns="91440" tIns="45720" rIns="91440" bIns="45720" rtlCol="0" anchor="b"/>
+          <a:lstStyle>
+            <a:lvl1pPr algn="l">
+              <a:defRPr sz="1200"/>
+            </a:lvl1pPr>
+          </a:lstStyle>
+          <a:p>
+            <a:endParaRPr lang="en-US"/>
+          </a:p>
+        </p:txBody>
+      </p:sp>
+      <p:sp>
+        <p:nvSpPr>
+          <p:cNvPr id="7" name="Slide Number Placeholder 6"/>
+          <p:cNvSpPr>
+            <a:spLocks noGrp="1"/>
+          </p:cNvSpPr>
+          <p:nvPr>
+            <p:ph type="sldNum" sz="quarter" idx="5"/>
+          </p:nvPr>
+        </p:nvSpPr>
+        <p:spPr>
+          <a:xfrm>
+            <a:off x="4402138" y="9553575"/>
+            <a:ext cx="3368675" cy="503238"/>
+          </a:xfrm>
+          <a:prstGeom prst="rect">
+            <a:avLst/>
+          </a:prstGeom>
+        </p:spPr>
+        <p:txBody>
+          <a:bodyPr vert="horz" lIns="91440" tIns="45720" rIns="91440" bIns="45720" rtlCol="0" anchor="b"/>
+          <a:lstStyle>
+            <a:lvl1pPr algn="r">
+              <a:defRPr sz="1200"/>
+            </a:lvl1pPr>
+          </a:lstStyle>
+          <a:p>
+            <a:fld id="{16B4AF28-21FF-4D2C-A960-0646BBC5384D}" type="slidenum">
+              <a:rPr lang="en-US" smtClean="0"/>
+              <a:t>‹#›</a:t>
+            </a:fld>
+            <a:endParaRPr lang="en-US"/>
+          </a:p>
+        </p:txBody>
+      </p:sp>
+    </p:spTree>
+    <p:extLst>
+      <p:ext uri="{BB962C8B-B14F-4D97-AF65-F5344CB8AC3E}">
+        <p14:creationId xmlns:p14="http://schemas.microsoft.com/office/powerpoint/2010/main" val="1019964346"/>
+      </p:ext>
+    </p:extLst>
+  </p:cSld>
+  <p:clrMap bg1="lt1" tx1="dk1" bg2="lt2" tx2="dk2" accent1="accent1" accent2="accent2" accent3="accent3" accent4="accent4" accent5="accent5" accent6="accent6" hlink="hlink" folHlink="folHlink"/>
+  <p:notesStyle>
+    <a:lvl1pPr marL="0" algn="l" defTabSz="914400" rtl="0" eaLnBrk="1" latinLnBrk="0" hangingPunct="1">
+      <a:defRPr sz="1200" kern="1200">
+        <a:solidFill>
+          <a:schemeClr val="tx1"/>
+        </a:solidFill>
+        <a:latin typeface="+mn-lt"/>
+        <a:ea typeface="+mn-ea"/>
+        <a:cs typeface="+mn-cs"/>
+      </a:defRPr>
+    </a:lvl1pPr>
+    <a:lvl2pPr marL="457200" algn="l" defTabSz="914400" rtl="0" eaLnBrk="1" latinLnBrk="0" hangingPunct="1">
+      <a:defRPr sz="1200" kern="1200">
+        <a:solidFill>
+          <a:schemeClr val="tx1"/>
+        </a:solidFill>
+        <a:latin typeface="+mn-lt"/>
+        <a:ea typeface="+mn-ea"/>
+        <a:cs typeface="+mn-cs"/>
+      </a:defRPr>
+    </a:lvl2pPr>
+    <a:lvl3pPr marL="914400" algn="l" defTabSz="914400" rtl="0" eaLnBrk="1" latinLnBrk="0" hangingPunct="1">
+      <a:defRPr sz="1200" kern="1200">
+        <a:solidFill>
+          <a:schemeClr val="tx1"/>
+        </a:solidFill>
+        <a:latin typeface="+mn-lt"/>
+        <a:ea typeface="+mn-ea"/>
+        <a:cs typeface="+mn-cs"/>
+      </a:defRPr>
+    </a:lvl3pPr>
+    <a:lvl4pPr marL="1371600" algn="l" defTabSz="914400" rtl="0" eaLnBrk="1" latinLnBrk="0" hangingPunct="1">
+      <a:defRPr sz="1200" kern="1200">
+        <a:solidFill>
+          <a:schemeClr val="tx1"/>
+        </a:solidFill>
+        <a:latin typeface="+mn-lt"/>
+        <a:ea typeface="+mn-ea"/>
+        <a:cs typeface="+mn-cs"/>
+      </a:defRPr>
+    </a:lvl4pPr>
+    <a:lvl5pPr marL="1828800" algn="l" defTabSz="914400" rtl="0" eaLnBrk="1" latinLnBrk="0" hangingPunct="1">
+      <a:defRPr sz="1200" kern="1200">
+        <a:solidFill>
+          <a:schemeClr val="tx1"/>
+        </a:solidFill>
+        <a:latin typeface="+mn-lt"/>
+        <a:ea typeface="+mn-ea"/>
+        <a:cs typeface="+mn-cs"/>
+      </a:defRPr>
+    </a:lvl5pPr>
+    <a:lvl6pPr marL="2286000" algn="l" defTabSz="914400" rtl="0" eaLnBrk="1" latinLnBrk="0" hangingPunct="1">
+      <a:defRPr sz="1200" kern="1200">
+        <a:solidFill>
+          <a:schemeClr val="tx1"/>
+        </a:solidFill>
+        <a:latin typeface="+mn-lt"/>
+        <a:ea typeface="+mn-ea"/>
+        <a:cs typeface="+mn-cs"/>
+      </a:defRPr>
+    </a:lvl6pPr>
+    <a:lvl7pPr marL="2743200" algn="l" defTabSz="914400" rtl="0" eaLnBrk="1" latinLnBrk="0" hangingPunct="1">
+      <a:defRPr sz="1200" kern="1200">
+        <a:solidFill>
+          <a:schemeClr val="tx1"/>
+        </a:solidFill>
+        <a:latin typeface="+mn-lt"/>
+        <a:ea typeface="+mn-ea"/>
+        <a:cs typeface="+mn-cs"/>
+      </a:defRPr>
+    </a:lvl7pPr>
+    <a:lvl8pPr marL="3200400" algn="l" defTabSz="914400" rtl="0" eaLnBrk="1" latinLnBrk="0" hangingPunct="1">
+      <a:defRPr sz="1200" kern="1200">
+        <a:solidFill>
+          <a:schemeClr val="tx1"/>
+        </a:solidFill>
+        <a:latin typeface="+mn-lt"/>
+        <a:ea typeface="+mn-ea"/>
+        <a:cs typeface="+mn-cs"/>
+      </a:defRPr>
+    </a:lvl8pPr>
+    <a:lvl9pPr marL="3657600" algn="l" defTabSz="914400" rtl="0" eaLnBrk="1" latinLnBrk="0" hangingPunct="1">
+      <a:defRPr sz="1200" kern="1200">
+        <a:solidFill>
+          <a:schemeClr val="tx1"/>
+        </a:solidFill>
+        <a:latin typeface="+mn-lt"/>
+        <a:ea typeface="+mn-ea"/>
+        <a:cs typeface="+mn-cs"/>
+      </a:defRPr>
+    </a:lvl9pPr>
+  </p:notesStyle>
+</p:notesMaster>
 </file>
 
 <file path=ppt/slideLayouts/slideLayout1.xml><?xml version="1.0" encoding="utf-8"?>
@@ -16003,8 +16357,8 @@
         </p:nvSpPr>
         <p:spPr>
           <a:xfrm>
-            <a:off x="1876320" y="1122480"/>
-            <a:ext cx="8791200" cy="2387160"/>
+            <a:off x="-585216" y="946368"/>
+            <a:ext cx="8930160" cy="2387160"/>
           </a:xfrm>
           <a:prstGeom prst="rect">
             <a:avLst/>
@@ -16018,13 +16372,13 @@
           <a:bodyPr anchor="b"/>
           <a:lstStyle/>
           <a:p>
-            <a:pPr>
+            <a:pPr algn="ctr">
               <a:lnSpc>
                 <a:spcPct val="100000"/>
               </a:lnSpc>
             </a:pPr>
             <a:r>
-              <a:rPr lang="en-US" sz="4800" b="0" strike="noStrike" cap="all" spc="-1" dirty="0">
+              <a:rPr lang="en-US" sz="6000" spc="-1" dirty="0" err="1" smtClean="0">
                 <a:solidFill>
                   <a:srgbClr val="111111"/>
                 </a:solidFill>
@@ -16035,9 +16389,76 @@
                 </a:uFill>
                 <a:latin typeface="Tw Cen MT"/>
               </a:rPr>
-              <a:t>EECS_448 Project 3</a:t>
+              <a:t>MacroPrep</a:t>
             </a:r>
-            <a:endParaRPr lang="en-US" sz="1800" b="0" strike="noStrike" spc="-1" dirty="0">
+            <a:endParaRPr lang="en-US" sz="2400" spc="-1" dirty="0" smtClean="0">
+              <a:solidFill>
+                <a:srgbClr val="111111"/>
+              </a:solidFill>
+              <a:uFill>
+                <a:solidFill>
+                  <a:srgbClr val="FFFFFF"/>
+                </a:solidFill>
+              </a:uFill>
+              <a:latin typeface="Tw Cen MT"/>
+            </a:endParaRPr>
+          </a:p>
+          <a:p>
+            <a:pPr algn="ctr">
+              <a:lnSpc>
+                <a:spcPct val="100000"/>
+              </a:lnSpc>
+            </a:pPr>
+            <a:r>
+              <a:rPr lang="en-US" sz="2400" spc="-1" dirty="0">
+                <a:solidFill>
+                  <a:srgbClr val="111111"/>
+                </a:solidFill>
+                <a:uFill>
+                  <a:solidFill>
+                    <a:srgbClr val="FFFFFF"/>
+                  </a:solidFill>
+                </a:uFill>
+                <a:latin typeface="Tw Cen MT"/>
+              </a:rPr>
+              <a:t>	</a:t>
+            </a:r>
+            <a:r>
+              <a:rPr lang="en-US" sz="2400" spc="-1" dirty="0" smtClean="0">
+                <a:solidFill>
+                  <a:srgbClr val="111111"/>
+                </a:solidFill>
+                <a:uFill>
+                  <a:solidFill>
+                    <a:srgbClr val="FFFFFF"/>
+                  </a:solidFill>
+                </a:uFill>
+                <a:latin typeface="Tw Cen MT"/>
+              </a:rPr>
+              <a:t>W</a:t>
+            </a:r>
+            <a:r>
+              <a:rPr lang="en-US" sz="2400" spc="-1" dirty="0" smtClean="0">
+                <a:solidFill>
+                  <a:srgbClr val="111111"/>
+                </a:solidFill>
+                <a:uFill>
+                  <a:solidFill>
+                    <a:srgbClr val="FFFFFF"/>
+                  </a:solidFill>
+                </a:uFill>
+                <a:latin typeface="Tw Cen MT"/>
+              </a:rPr>
+              <a:t>eb Application</a:t>
+            </a:r>
+          </a:p>
+          <a:p>
+            <a:pPr>
+              <a:lnSpc>
+                <a:spcPct val="100000"/>
+              </a:lnSpc>
+            </a:pPr>
+            <a:endParaRPr lang="en-US" sz="4800" b="0" strike="noStrike" cap="all" spc="-1" dirty="0" smtClean="0">
               <a:solidFill>
                 <a:srgbClr val="111111"/>
               </a:solidFill>
@@ -16059,7 +16480,7 @@
         </p:nvSpPr>
         <p:spPr>
           <a:xfrm>
-            <a:off x="1876320" y="3602160"/>
+            <a:off x="989352" y="3406680"/>
             <a:ext cx="8791200" cy="3032280"/>
           </a:xfrm>
           <a:prstGeom prst="rect">
@@ -16074,13 +16495,13 @@
           <a:bodyPr/>
           <a:lstStyle/>
           <a:p>
-            <a:pPr>
+            <a:pPr algn="r">
               <a:lnSpc>
                 <a:spcPct val="100000"/>
               </a:lnSpc>
             </a:pPr>
             <a:r>
-              <a:rPr lang="en-US" sz="2000" b="0" strike="noStrike" cap="all" spc="-1" dirty="0">
+              <a:rPr lang="en-US" sz="2000" b="1" u="sng" strike="noStrike" cap="all" spc="-1" dirty="0" smtClean="0">
                 <a:solidFill>
                   <a:srgbClr val="000000"/>
                 </a:solidFill>
@@ -16091,9 +16512,23 @@
                 </a:uFill>
                 <a:latin typeface="Tw Cen MT"/>
               </a:rPr>
-              <a:t>Team: The Replacements  </a:t>
+              <a:t>The </a:t>
             </a:r>
-            <a:endParaRPr lang="en-US" sz="3200" b="0" strike="noStrike" spc="-1" dirty="0">
+            <a:r>
+              <a:rPr lang="en-US" sz="2000" b="1" u="sng" strike="noStrike" cap="all" spc="-1" dirty="0">
+                <a:solidFill>
+                  <a:srgbClr val="000000"/>
+                </a:solidFill>
+                <a:uFill>
+                  <a:solidFill>
+                    <a:srgbClr val="FFFFFF"/>
+                  </a:solidFill>
+                </a:uFill>
+                <a:latin typeface="Tw Cen MT"/>
+              </a:rPr>
+              <a:t>Replacements  </a:t>
+            </a:r>
+            <a:endParaRPr lang="en-US" sz="3200" b="1" u="sng" strike="noStrike" spc="-1" dirty="0">
               <a:solidFill>
                 <a:srgbClr val="000000"/>
               </a:solidFill>
@@ -16106,7 +16541,7 @@
             </a:endParaRPr>
           </a:p>
           <a:p>
-            <a:pPr>
+            <a:pPr algn="r">
               <a:lnSpc>
                 <a:spcPct val="100000"/>
               </a:lnSpc>
@@ -16124,13 +16559,13 @@
             </a:endParaRPr>
           </a:p>
           <a:p>
-            <a:pPr>
+            <a:pPr algn="r">
               <a:lnSpc>
                 <a:spcPct val="100000"/>
               </a:lnSpc>
             </a:pPr>
             <a:r>
-              <a:rPr lang="en-US" sz="2000" b="0" strike="noStrike" cap="all" spc="-1" dirty="0">
+              <a:rPr lang="en-US" sz="2000" b="0" i="1" strike="noStrike" cap="all" spc="-1" dirty="0">
                 <a:solidFill>
                   <a:srgbClr val="000000"/>
                 </a:solidFill>
@@ -16143,7 +16578,7 @@
               </a:rPr>
               <a:t>Hunter crisp</a:t>
             </a:r>
-            <a:endParaRPr lang="en-US" sz="3200" b="0" strike="noStrike" spc="-1" dirty="0">
+            <a:endParaRPr lang="en-US" sz="3200" b="0" i="1" strike="noStrike" spc="-1" dirty="0">
               <a:solidFill>
                 <a:srgbClr val="000000"/>
               </a:solidFill>
@@ -16156,13 +16591,13 @@
             </a:endParaRPr>
           </a:p>
           <a:p>
-            <a:pPr>
+            <a:pPr algn="r">
               <a:lnSpc>
                 <a:spcPct val="100000"/>
               </a:lnSpc>
             </a:pPr>
             <a:r>
-              <a:rPr lang="en-US" sz="2000" b="0" strike="noStrike" cap="all" spc="-1" dirty="0">
+              <a:rPr lang="en-US" sz="2000" b="0" i="1" strike="noStrike" cap="all" spc="-1" dirty="0">
                 <a:solidFill>
                   <a:srgbClr val="000000"/>
                 </a:solidFill>
@@ -16176,7 +16611,7 @@
               <a:t>Scott </a:t>
             </a:r>
             <a:r>
-              <a:rPr lang="en-US" sz="2000" b="0" strike="noStrike" cap="all" spc="-1" dirty="0" err="1">
+              <a:rPr lang="en-US" sz="2000" b="0" i="1" strike="noStrike" cap="all" spc="-1" dirty="0" err="1">
                 <a:solidFill>
                   <a:srgbClr val="000000"/>
                 </a:solidFill>
@@ -16189,7 +16624,7 @@
               </a:rPr>
               <a:t>diffin</a:t>
             </a:r>
-            <a:endParaRPr lang="en-US" sz="3200" b="0" strike="noStrike" spc="-1" dirty="0">
+            <a:endParaRPr lang="en-US" sz="3200" b="0" i="1" strike="noStrike" spc="-1" dirty="0">
               <a:solidFill>
                 <a:srgbClr val="000000"/>
               </a:solidFill>
@@ -16202,13 +16637,13 @@
             </a:endParaRPr>
           </a:p>
           <a:p>
-            <a:pPr>
+            <a:pPr algn="r">
               <a:lnSpc>
                 <a:spcPct val="100000"/>
               </a:lnSpc>
             </a:pPr>
             <a:r>
-              <a:rPr lang="en-US" sz="2000" b="0" strike="noStrike" cap="all" spc="-1" dirty="0">
+              <a:rPr lang="en-US" sz="2000" b="0" i="1" strike="noStrike" cap="all" spc="-1" dirty="0">
                 <a:solidFill>
                   <a:srgbClr val="000000"/>
                 </a:solidFill>
@@ -16222,7 +16657,7 @@
               <a:t>Austin </a:t>
             </a:r>
             <a:r>
-              <a:rPr lang="en-US" sz="2000" b="0" strike="noStrike" cap="all" spc="-1" dirty="0" err="1">
+              <a:rPr lang="en-US" sz="2000" b="0" i="1" strike="noStrike" cap="all" spc="-1" dirty="0" err="1">
                 <a:solidFill>
                   <a:srgbClr val="000000"/>
                 </a:solidFill>
@@ -16235,7 +16670,7 @@
               </a:rPr>
               <a:t>juhl</a:t>
             </a:r>
-            <a:endParaRPr lang="en-US" sz="3200" b="0" strike="noStrike" spc="-1" dirty="0">
+            <a:endParaRPr lang="en-US" sz="3200" b="0" i="1" strike="noStrike" spc="-1" dirty="0">
               <a:solidFill>
                 <a:srgbClr val="000000"/>
               </a:solidFill>
@@ -16248,13 +16683,13 @@
             </a:endParaRPr>
           </a:p>
           <a:p>
-            <a:pPr>
+            <a:pPr algn="r">
               <a:lnSpc>
                 <a:spcPct val="100000"/>
               </a:lnSpc>
             </a:pPr>
             <a:r>
-              <a:rPr lang="en-US" sz="2000" b="0" strike="noStrike" cap="all" spc="-1" dirty="0">
+              <a:rPr lang="en-US" sz="2000" b="0" i="1" strike="noStrike" cap="all" spc="-1" dirty="0">
                 <a:solidFill>
                   <a:srgbClr val="000000"/>
                 </a:solidFill>
@@ -16268,7 +16703,7 @@
               <a:t>Narinder </a:t>
             </a:r>
             <a:r>
-              <a:rPr lang="en-US" sz="2000" b="0" strike="noStrike" cap="all" spc="-1" dirty="0" err="1">
+              <a:rPr lang="en-US" sz="2000" b="0" i="1" strike="noStrike" cap="all" spc="-1" dirty="0" err="1">
                 <a:solidFill>
                   <a:srgbClr val="000000"/>
                 </a:solidFill>
@@ -16281,7 +16716,7 @@
               </a:rPr>
               <a:t>singh</a:t>
             </a:r>
-            <a:endParaRPr lang="en-US" sz="3200" b="0" strike="noStrike" spc="-1" dirty="0">
+            <a:endParaRPr lang="en-US" sz="3200" b="0" i="1" strike="noStrike" spc="-1" dirty="0">
               <a:solidFill>
                 <a:srgbClr val="000000"/>
               </a:solidFill>
@@ -16448,7 +16883,7 @@
         </p:nvSpPr>
         <p:spPr>
           <a:xfrm>
-            <a:off x="1141560" y="2249640"/>
+            <a:off x="794088" y="2249640"/>
             <a:ext cx="9905760" cy="3541320"/>
           </a:xfrm>
           <a:prstGeom prst="rect">
@@ -16486,10 +16921,10 @@
                 </a:uFill>
                 <a:latin typeface="Tw Cen MT"/>
               </a:rPr>
-              <a:t>The Platform used JavaScript, </a:t>
+              <a:t>The Platform </a:t>
             </a:r>
             <a:r>
-              <a:rPr lang="en-US" sz="2400" b="0" strike="noStrike" spc="-1" dirty="0" err="1">
+              <a:rPr lang="en-US" sz="2400" b="0" strike="noStrike" spc="-1" dirty="0" smtClean="0">
                 <a:solidFill>
                   <a:srgbClr val="000000"/>
                 </a:solidFill>
@@ -16500,10 +16935,23 @@
                 </a:uFill>
                 <a:latin typeface="Tw Cen MT"/>
               </a:rPr>
-              <a:t>Css</a:t>
+              <a:t>uses Web Languages (HTML, CSS, JS, PHP).</a:t>
             </a:r>
+          </a:p>
+          <a:p>
+            <a:pPr marL="685800" lvl="1" indent="-228240">
+              <a:lnSpc>
+                <a:spcPct val="120000"/>
+              </a:lnSpc>
+              <a:buClr>
+                <a:srgbClr val="FFFFFF"/>
+              </a:buClr>
+              <a:buSzPct val="125000"/>
+              <a:buFont typeface="Arial"/>
+              <a:buChar char="•"/>
+            </a:pPr>
             <a:r>
-              <a:rPr lang="en-US" sz="2400" b="0" strike="noStrike" spc="-1" dirty="0">
+              <a:rPr lang="en-US" sz="2400" spc="-1" dirty="0" smtClean="0">
                 <a:solidFill>
                   <a:srgbClr val="000000"/>
                 </a:solidFill>
@@ -16514,8 +16962,47 @@
                 </a:uFill>
                 <a:latin typeface="Tw Cen MT"/>
               </a:rPr>
-              <a:t>, HTML, PHP, SQL</a:t>
+              <a:t>Our first page is HTML, the rest are PHP because they are interacting directly with our </a:t>
             </a:r>
+            <a:r>
+              <a:rPr lang="en-US" sz="2400" spc="-1" dirty="0" err="1" smtClean="0">
+                <a:solidFill>
+                  <a:srgbClr val="000000"/>
+                </a:solidFill>
+                <a:uFill>
+                  <a:solidFill>
+                    <a:srgbClr val="FFFFFF"/>
+                  </a:solidFill>
+                </a:uFill>
+                <a:latin typeface="Tw Cen MT"/>
+              </a:rPr>
+              <a:t>mysql</a:t>
+            </a:r>
+            <a:r>
+              <a:rPr lang="en-US" sz="2400" spc="-1" dirty="0" smtClean="0">
+                <a:solidFill>
+                  <a:srgbClr val="000000"/>
+                </a:solidFill>
+                <a:uFill>
+                  <a:solidFill>
+                    <a:srgbClr val="FFFFFF"/>
+                  </a:solidFill>
+                </a:uFill>
+                <a:latin typeface="Tw Cen MT"/>
+              </a:rPr>
+              <a:t> food table.</a:t>
+            </a:r>
+            <a:endParaRPr lang="en-US" sz="2400" b="0" strike="noStrike" spc="-1" dirty="0" smtClean="0">
+              <a:solidFill>
+                <a:srgbClr val="000000"/>
+              </a:solidFill>
+              <a:uFill>
+                <a:solidFill>
+                  <a:srgbClr val="FFFFFF"/>
+                </a:solidFill>
+              </a:uFill>
+              <a:latin typeface="Tw Cen MT"/>
+            </a:endParaRPr>
           </a:p>
           <a:p>
             <a:pPr marL="228600" indent="-228240">
@@ -16529,20 +17016,17 @@
               <a:buFont typeface="Arial"/>
               <a:buChar char="•"/>
             </a:pPr>
-            <a:r>
-              <a:rPr lang="en-US" sz="2400" b="0" strike="noStrike" spc="-1" dirty="0">
+            <a:endParaRPr lang="en-US" sz="2400" b="0" strike="noStrike" spc="-1" dirty="0">
+              <a:solidFill>
+                <a:srgbClr val="000000"/>
+              </a:solidFill>
+              <a:uFill>
                 <a:solidFill>
-                  <a:srgbClr val="000000"/>
+                  <a:srgbClr val="FFFFFF"/>
                 </a:solidFill>
-                <a:uFill>
-                  <a:solidFill>
-                    <a:srgbClr val="FFFFFF"/>
-                  </a:solidFill>
-                </a:uFill>
-                <a:latin typeface="Tw Cen MT"/>
-              </a:rPr>
-              <a:t>Object Oriented, Independent, Simple, and Portable</a:t>
-            </a:r>
+              </a:uFill>
+              <a:latin typeface="Tw Cen MT"/>
+            </a:endParaRPr>
           </a:p>
           <a:p>
             <a:pPr>
@@ -16699,7 +17183,7 @@
         </p:nvSpPr>
         <p:spPr>
           <a:xfrm>
-            <a:off x="1141560" y="2249640"/>
+            <a:off x="1205568" y="2249640"/>
             <a:ext cx="9905760" cy="3541320"/>
           </a:xfrm>
           <a:prstGeom prst="rect">
@@ -16737,8 +17221,202 @@
                 </a:uFill>
                 <a:latin typeface="Tw Cen MT"/>
               </a:rPr>
-              <a:t>We had two teams half worked on the user interface and coding the meal break down and the database importing and exporting. The other half worked on the CSS cleaning up the product and making all the UML Diagrams and Presentation. </a:t>
+              <a:t>We had two </a:t>
             </a:r>
+            <a:r>
+              <a:rPr lang="en-US" sz="2400" spc="-1" dirty="0" smtClean="0">
+                <a:solidFill>
+                  <a:srgbClr val="000000"/>
+                </a:solidFill>
+                <a:uFill>
+                  <a:solidFill>
+                    <a:srgbClr val="FFFFFF"/>
+                  </a:solidFill>
+                </a:uFill>
+                <a:latin typeface="Tw Cen MT"/>
+              </a:rPr>
+              <a:t>teams. </a:t>
+            </a:r>
+          </a:p>
+          <a:p>
+            <a:pPr marL="800460" lvl="1" indent="-342900">
+              <a:lnSpc>
+                <a:spcPct val="120000"/>
+              </a:lnSpc>
+              <a:buClr>
+                <a:srgbClr val="FFFFFF"/>
+              </a:buClr>
+              <a:buSzPct val="125000"/>
+              <a:buFont typeface="Arial" panose="020B0604020202020204" pitchFamily="34" charset="0"/>
+              <a:buChar char="•"/>
+            </a:pPr>
+            <a:r>
+              <a:rPr lang="en-US" sz="2400" spc="-1" dirty="0" smtClean="0">
+                <a:solidFill>
+                  <a:srgbClr val="000000"/>
+                </a:solidFill>
+                <a:uFill>
+                  <a:solidFill>
+                    <a:srgbClr val="FFFFFF"/>
+                  </a:solidFill>
+                </a:uFill>
+                <a:latin typeface="Tw Cen MT"/>
+              </a:rPr>
+              <a:t>Team 1: </a:t>
+            </a:r>
+            <a:r>
+              <a:rPr lang="en-US" sz="2400" spc="-1" dirty="0" smtClean="0">
+                <a:solidFill>
+                  <a:srgbClr val="000000"/>
+                </a:solidFill>
+                <a:uFill>
+                  <a:solidFill>
+                    <a:srgbClr val="FFFFFF"/>
+                  </a:solidFill>
+                </a:uFill>
+                <a:latin typeface="Tw Cen MT"/>
+              </a:rPr>
+              <a:t>user interface, mathematical computation, and importing USDA food database. </a:t>
+            </a:r>
+          </a:p>
+          <a:p>
+            <a:pPr marL="800460" lvl="1" indent="-342900">
+              <a:lnSpc>
+                <a:spcPct val="120000"/>
+              </a:lnSpc>
+              <a:buClr>
+                <a:srgbClr val="FFFFFF"/>
+              </a:buClr>
+              <a:buSzPct val="125000"/>
+              <a:buFont typeface="Arial" panose="020B0604020202020204" pitchFamily="34" charset="0"/>
+              <a:buChar char="•"/>
+            </a:pPr>
+            <a:r>
+              <a:rPr lang="en-US" sz="2400" spc="-1" dirty="0" smtClean="0">
+                <a:solidFill>
+                  <a:srgbClr val="000000"/>
+                </a:solidFill>
+                <a:uFill>
+                  <a:solidFill>
+                    <a:srgbClr val="FFFFFF"/>
+                  </a:solidFill>
+                </a:uFill>
+                <a:latin typeface="Tw Cen MT"/>
+              </a:rPr>
+              <a:t>Team 2: </a:t>
+            </a:r>
+            <a:r>
+              <a:rPr lang="en-US" sz="2400" spc="-1" dirty="0" smtClean="0">
+                <a:solidFill>
+                  <a:srgbClr val="000000"/>
+                </a:solidFill>
+                <a:uFill>
+                  <a:solidFill>
+                    <a:srgbClr val="FFFFFF"/>
+                  </a:solidFill>
+                </a:uFill>
+                <a:latin typeface="Tw Cen MT"/>
+              </a:rPr>
+              <a:t>CSS and </a:t>
+            </a:r>
+            <a:r>
+              <a:rPr lang="en-US" sz="2400" spc="-1" dirty="0">
+                <a:solidFill>
+                  <a:srgbClr val="000000"/>
+                </a:solidFill>
+                <a:uFill>
+                  <a:solidFill>
+                    <a:srgbClr val="FFFFFF"/>
+                  </a:solidFill>
+                </a:uFill>
+                <a:latin typeface="Tw Cen MT"/>
+              </a:rPr>
+              <a:t>making all the UML Diagrams and Presentation. </a:t>
+            </a:r>
+            <a:endParaRPr lang="en-US" sz="2400" spc="-1" dirty="0" smtClean="0">
+              <a:solidFill>
+                <a:srgbClr val="000000"/>
+              </a:solidFill>
+              <a:uFill>
+                <a:solidFill>
+                  <a:srgbClr val="FFFFFF"/>
+                </a:solidFill>
+              </a:uFill>
+              <a:latin typeface="Tw Cen MT"/>
+            </a:endParaRPr>
+          </a:p>
+          <a:p>
+            <a:pPr marL="800460" lvl="1" indent="-342900">
+              <a:lnSpc>
+                <a:spcPct val="120000"/>
+              </a:lnSpc>
+              <a:buClr>
+                <a:srgbClr val="FFFFFF"/>
+              </a:buClr>
+              <a:buSzPct val="125000"/>
+              <a:buFont typeface="Arial" panose="020B0604020202020204" pitchFamily="34" charset="0"/>
+              <a:buChar char="•"/>
+            </a:pPr>
+            <a:endParaRPr lang="en-US" sz="2400" spc="-1" dirty="0">
+              <a:solidFill>
+                <a:srgbClr val="000000"/>
+              </a:solidFill>
+              <a:uFill>
+                <a:solidFill>
+                  <a:srgbClr val="FFFFFF"/>
+                </a:solidFill>
+              </a:uFill>
+              <a:latin typeface="Tw Cen MT"/>
+            </a:endParaRPr>
+          </a:p>
+          <a:p>
+            <a:pPr marL="800460" lvl="1" indent="-342900">
+              <a:lnSpc>
+                <a:spcPct val="120000"/>
+              </a:lnSpc>
+              <a:buClr>
+                <a:srgbClr val="FFFFFF"/>
+              </a:buClr>
+              <a:buSzPct val="125000"/>
+              <a:buFont typeface="Arial" panose="020B0604020202020204" pitchFamily="34" charset="0"/>
+              <a:buChar char="•"/>
+            </a:pPr>
+            <a:r>
+              <a:rPr lang="en-US" sz="2400" spc="-1" dirty="0" smtClean="0">
+                <a:solidFill>
+                  <a:srgbClr val="000000"/>
+                </a:solidFill>
+                <a:uFill>
+                  <a:solidFill>
+                    <a:srgbClr val="FFFFFF"/>
+                  </a:solidFill>
+                </a:uFill>
+                <a:latin typeface="Tw Cen MT"/>
+              </a:rPr>
+              <a:t>Both teams were involved in all planning and debugging decisions.</a:t>
+            </a:r>
+          </a:p>
+          <a:p>
+            <a:pPr marL="457560" lvl="1">
+              <a:lnSpc>
+                <a:spcPct val="120000"/>
+              </a:lnSpc>
+              <a:buClr>
+                <a:srgbClr val="FFFFFF"/>
+              </a:buClr>
+              <a:buSzPct val="125000"/>
+            </a:pPr>
+            <a:endParaRPr lang="en-US" sz="2400" spc="-1" dirty="0">
+              <a:solidFill>
+                <a:srgbClr val="000000"/>
+              </a:solidFill>
+              <a:uFill>
+                <a:solidFill>
+                  <a:srgbClr val="FFFFFF"/>
+                </a:solidFill>
+              </a:uFill>
+              <a:latin typeface="Tw Cen MT"/>
+            </a:endParaRPr>
           </a:p>
         </p:txBody>
       </p:sp>
@@ -16886,7 +17564,7 @@
               <a:buChar char="•"/>
             </a:pPr>
             <a:r>
-              <a:rPr lang="en-US" sz="2400" spc="-1" dirty="0">
+              <a:rPr lang="en-US" sz="2400" spc="-1" dirty="0" smtClean="0">
                 <a:solidFill>
                   <a:srgbClr val="000000"/>
                 </a:solidFill>
@@ -16897,7 +17575,7 @@
                 </a:uFill>
                 <a:latin typeface="Tw Cen MT"/>
               </a:rPr>
-              <a:t>The challenges that we faced were not have a task break down of what everyone was working so not everyone was working on the same thing a the same time. To fix this we set out time and got a better communication system in place.</a:t>
+              <a:t>Project three had a few minor challenges such as importing the USDA food database and deciding which language to write the algebra functionality in. Both were resolved with research/ trial and error.</a:t>
             </a:r>
           </a:p>
           <a:p>
@@ -16912,8 +17590,32 @@
               <a:buFont typeface="Arial"/>
               <a:buChar char="•"/>
             </a:pPr>
+            <a:endParaRPr lang="en-US" sz="2400" b="0" strike="noStrike" spc="-1" dirty="0">
+              <a:solidFill>
+                <a:srgbClr val="000000"/>
+              </a:solidFill>
+              <a:uFill>
+                <a:solidFill>
+                  <a:srgbClr val="FFFFFF"/>
+                </a:solidFill>
+              </a:uFill>
+              <a:latin typeface="Tw Cen MT"/>
+            </a:endParaRPr>
+          </a:p>
+          <a:p>
+            <a:pPr marL="228600" indent="-228240">
+              <a:lnSpc>
+                <a:spcPct val="120000"/>
+              </a:lnSpc>
+              <a:buClr>
+                <a:srgbClr val="FFFFFF"/>
+              </a:buClr>
+              <a:buSzPct val="125000"/>
+              <a:buFont typeface="Arial"/>
+              <a:buChar char="•"/>
+            </a:pPr>
             <a:r>
-              <a:rPr lang="en-US" sz="2400" b="0" strike="noStrike" spc="-1" dirty="0">
+              <a:rPr lang="en-US" sz="2400" spc="-1" dirty="0" smtClean="0">
                 <a:solidFill>
                   <a:srgbClr val="000000"/>
                 </a:solidFill>
@@ -16924,8 +17626,33 @@
                 </a:uFill>
                 <a:latin typeface="Tw Cen MT"/>
               </a:rPr>
-              <a:t>Compiling all the parts together was also a big challenge. To overcome this we had to rework some of our functions and reimplement our files. </a:t>
+              <a:t>The main </a:t>
             </a:r>
+            <a:r>
+              <a:rPr lang="en-US" sz="2400" spc="-1" dirty="0" smtClean="0">
+                <a:solidFill>
+                  <a:srgbClr val="000000"/>
+                </a:solidFill>
+                <a:uFill>
+                  <a:solidFill>
+                    <a:srgbClr val="FFFFFF"/>
+                  </a:solidFill>
+                </a:uFill>
+                <a:latin typeface="Tw Cen MT"/>
+              </a:rPr>
+              <a:t>challenge we faced was discovering that our method for calculating the correct serving size for each meal was flawed. See next slide…</a:t>
+            </a:r>
+            <a:endParaRPr lang="en-US" sz="2400" b="0" strike="noStrike" spc="-1" dirty="0">
+              <a:solidFill>
+                <a:srgbClr val="000000"/>
+              </a:solidFill>
+              <a:uFill>
+                <a:solidFill>
+                  <a:srgbClr val="FFFFFF"/>
+                </a:solidFill>
+              </a:uFill>
+              <a:latin typeface="Tw Cen MT"/>
+            </a:endParaRPr>
           </a:p>
         </p:txBody>
       </p:sp>
@@ -16983,6 +17710,204 @@
       </p:grpSpPr>
       <p:sp>
         <p:nvSpPr>
+          <p:cNvPr id="2" name="Title 1"/>
+          <p:cNvSpPr>
+            <a:spLocks noGrp="1"/>
+          </p:cNvSpPr>
+          <p:nvPr>
+            <p:ph type="title"/>
+          </p:nvPr>
+        </p:nvSpPr>
+        <p:spPr>
+          <a:xfrm>
+            <a:off x="1141560" y="618480"/>
+            <a:ext cx="9905760" cy="954288"/>
+          </a:xfrm>
+        </p:spPr>
+        <p:txBody>
+          <a:bodyPr/>
+          <a:lstStyle/>
+          <a:p>
+            <a:r>
+              <a:rPr lang="en-US" dirty="0" smtClean="0"/>
+              <a:t>Challenges cont.</a:t>
+            </a:r>
+            <a:endParaRPr lang="en-US" dirty="0"/>
+          </a:p>
+        </p:txBody>
+      </p:sp>
+      <p:sp>
+        <p:nvSpPr>
+          <p:cNvPr id="4" name="TextBox 3"/>
+          <p:cNvSpPr txBox="1"/>
+          <p:nvPr/>
+        </p:nvSpPr>
+        <p:spPr>
+          <a:xfrm>
+            <a:off x="1216152" y="1901952"/>
+            <a:ext cx="9720072" cy="3139321"/>
+          </a:xfrm>
+          <a:prstGeom prst="rect">
+            <a:avLst/>
+          </a:prstGeom>
+          <a:noFill/>
+        </p:spPr>
+        <p:txBody>
+          <a:bodyPr wrap="square" rtlCol="0">
+            <a:spAutoFit/>
+          </a:bodyPr>
+          <a:lstStyle/>
+          <a:p>
+            <a:r>
+              <a:rPr lang="en-US" spc="-1" dirty="0">
+                <a:solidFill>
+                  <a:srgbClr val="000000"/>
+                </a:solidFill>
+                <a:uFill>
+                  <a:solidFill>
+                    <a:srgbClr val="FFFFFF"/>
+                  </a:solidFill>
+                </a:uFill>
+                <a:latin typeface="Tw Cen MT"/>
+              </a:rPr>
+              <a:t>We retrieve nutrient values from three foods. Each food has a polar nutrient (majority protein/carb/fat). We input those nutrients and the meal macros into a matrix, </a:t>
+            </a:r>
+            <a:r>
+              <a:rPr lang="en-US" spc="-1" dirty="0" err="1">
+                <a:solidFill>
+                  <a:srgbClr val="000000"/>
+                </a:solidFill>
+                <a:uFill>
+                  <a:solidFill>
+                    <a:srgbClr val="FFFFFF"/>
+                  </a:solidFill>
+                </a:uFill>
+                <a:latin typeface="Tw Cen MT"/>
+              </a:rPr>
+              <a:t>rref</a:t>
+            </a:r>
+            <a:r>
+              <a:rPr lang="en-US" spc="-1" dirty="0">
+                <a:solidFill>
+                  <a:srgbClr val="000000"/>
+                </a:solidFill>
+                <a:uFill>
+                  <a:solidFill>
+                    <a:srgbClr val="FFFFFF"/>
+                  </a:solidFill>
+                </a:uFill>
+                <a:latin typeface="Tw Cen MT"/>
+              </a:rPr>
+              <a:t>, then display optimal serving sizes that achieve your macro goal. The problem </a:t>
+            </a:r>
+            <a:r>
+              <a:rPr lang="en-US" spc="-1" dirty="0" smtClean="0">
+                <a:solidFill>
+                  <a:srgbClr val="000000"/>
+                </a:solidFill>
+                <a:uFill>
+                  <a:solidFill>
+                    <a:srgbClr val="FFFFFF"/>
+                  </a:solidFill>
+                </a:uFill>
+                <a:latin typeface="Tw Cen MT"/>
+              </a:rPr>
+              <a:t>is, if the foods you select are not extremely polar there is a chance of getting a negative serving size.</a:t>
+            </a:r>
+          </a:p>
+          <a:p>
+            <a:endParaRPr lang="en-US" spc="-1" dirty="0">
+              <a:solidFill>
+                <a:srgbClr val="000000"/>
+              </a:solidFill>
+              <a:uFill>
+                <a:solidFill>
+                  <a:srgbClr val="FFFFFF"/>
+                </a:solidFill>
+              </a:uFill>
+              <a:latin typeface="Tw Cen MT"/>
+            </a:endParaRPr>
+          </a:p>
+          <a:p>
+            <a:r>
+              <a:rPr lang="en-US" spc="-1" dirty="0" smtClean="0">
+                <a:solidFill>
+                  <a:srgbClr val="000000"/>
+                </a:solidFill>
+                <a:uFill>
+                  <a:solidFill>
+                    <a:srgbClr val="FFFFFF"/>
+                  </a:solidFill>
+                </a:uFill>
+                <a:latin typeface="Tw Cen MT"/>
+              </a:rPr>
+              <a:t>Our temporary solution was to only display foods who’s nutrient ratio is either equal to or more polar than the that of the meal macro nutrient ratio. This presents better food choices for the user to pick from, but does not eliminate the problem completely.</a:t>
+            </a:r>
+          </a:p>
+          <a:p>
+            <a:endParaRPr lang="en-US" spc="-1" dirty="0">
+              <a:solidFill>
+                <a:srgbClr val="000000"/>
+              </a:solidFill>
+              <a:uFill>
+                <a:solidFill>
+                  <a:srgbClr val="FFFFFF"/>
+                </a:solidFill>
+              </a:uFill>
+              <a:latin typeface="Tw Cen MT"/>
+            </a:endParaRPr>
+          </a:p>
+          <a:p>
+            <a:r>
+              <a:rPr lang="en-US" spc="-1" dirty="0" smtClean="0">
+                <a:solidFill>
+                  <a:srgbClr val="000000"/>
+                </a:solidFill>
+                <a:uFill>
+                  <a:solidFill>
+                    <a:srgbClr val="FFFFFF"/>
+                  </a:solidFill>
+                </a:uFill>
+                <a:latin typeface="Tw Cen MT"/>
+              </a:rPr>
+              <a:t>Final decision, scrap the current method of calculation for project four. See next slide for new implementation/additional features.</a:t>
+            </a:r>
+            <a:endParaRPr lang="en-US" dirty="0"/>
+          </a:p>
+        </p:txBody>
+      </p:sp>
+    </p:spTree>
+    <p:extLst>
+      <p:ext uri="{BB962C8B-B14F-4D97-AF65-F5344CB8AC3E}">
+        <p14:creationId xmlns:p14="http://schemas.microsoft.com/office/powerpoint/2010/main" val="2749210857"/>
+      </p:ext>
+    </p:extLst>
+  </p:cSld>
+  <p:clrMapOvr>
+    <a:masterClrMapping/>
+  </p:clrMapOvr>
+</p:sld>
+</file>
+
+<file path=ppt/slides/slide6.xml><?xml version="1.0" encoding="utf-8"?>
+<p:sld xmlns:a="http://schemas.openxmlformats.org/drawingml/2006/main" xmlns:r="http://schemas.openxmlformats.org/officeDocument/2006/relationships" xmlns:p="http://schemas.openxmlformats.org/presentationml/2006/main">
+  <p:cSld>
+    <p:spTree>
+      <p:nvGrpSpPr>
+        <p:cNvPr id="1" name=""/>
+        <p:cNvGrpSpPr/>
+        <p:nvPr/>
+      </p:nvGrpSpPr>
+      <p:grpSpPr>
+        <a:xfrm>
+          <a:off x="0" y="0"/>
+          <a:ext cx="0" cy="0"/>
+          <a:chOff x="0" y="0"/>
+          <a:chExt cx="0" cy="0"/>
+        </a:xfrm>
+      </p:grpSpPr>
+      <p:sp>
+        <p:nvSpPr>
           <p:cNvPr id="217" name="TextShape 1"/>
           <p:cNvSpPr txBox="1"/>
           <p:nvPr/>
@@ -17010,7 +17935,7 @@
               </a:lnSpc>
             </a:pPr>
             <a:r>
-              <a:rPr lang="en-US" sz="3600" b="0" strike="noStrike" cap="all" spc="-1">
+              <a:rPr lang="en-US" sz="3600" b="0" strike="noStrike" cap="all" spc="-1" dirty="0">
                 <a:solidFill>
                   <a:srgbClr val="000000"/>
                 </a:solidFill>
@@ -17024,7 +17949,7 @@
               <a:t>Any features that did not make the demo version
 </a:t>
             </a:r>
-            <a:endParaRPr lang="en-US" sz="1800" b="0" strike="noStrike" spc="-1">
+            <a:endParaRPr lang="en-US" sz="1800" b="0" strike="noStrike" spc="-1" dirty="0">
               <a:solidFill>
                 <a:srgbClr val="000000"/>
               </a:solidFill>
@@ -17040,34 +17965,28 @@
       </p:sp>
       <p:sp>
         <p:nvSpPr>
-          <p:cNvPr id="218" name="TextShape 2"/>
+          <p:cNvPr id="2" name="TextBox 1"/>
           <p:cNvSpPr txBox="1"/>
           <p:nvPr/>
         </p:nvSpPr>
         <p:spPr>
           <a:xfrm>
-            <a:off x="1141560" y="2249640"/>
-            <a:ext cx="9905760" cy="3541320"/>
+            <a:off x="1069848" y="1856232"/>
+            <a:ext cx="10122408" cy="3970318"/>
           </a:xfrm>
           <a:prstGeom prst="rect">
             <a:avLst/>
           </a:prstGeom>
           <a:noFill/>
-          <a:ln>
-            <a:noFill/>
-          </a:ln>
         </p:spPr>
         <p:txBody>
-          <a:bodyPr/>
+          <a:bodyPr wrap="square" rtlCol="0">
+            <a:spAutoFit/>
+          </a:bodyPr>
           <a:lstStyle/>
           <a:p>
-            <a:pPr>
-              <a:lnSpc>
-                <a:spcPct val="100000"/>
-              </a:lnSpc>
-            </a:pPr>
             <a:r>
-              <a:rPr lang="en-US" sz="2400" spc="-1" dirty="0">
+              <a:rPr lang="en-US" spc="-1" dirty="0" smtClean="0">
                 <a:solidFill>
                   <a:srgbClr val="000000"/>
                 </a:solidFill>
@@ -17078,9 +17997,207 @@
                 </a:uFill>
                 <a:latin typeface="Tw Cen MT"/>
               </a:rPr>
-              <a:t>There were a lot of features that did not make it on the product as this was just the prototype. There are a lot of improvements that still need work and features that we still want to add and prefect on the final product.   </a:t>
+              <a:t>Instead of RREF, </a:t>
             </a:r>
-            <a:endParaRPr lang="en-US" sz="2400" b="0" strike="noStrike" spc="-1" dirty="0">
+            <a:r>
+              <a:rPr lang="en-US" spc="-1" dirty="0">
+                <a:solidFill>
+                  <a:srgbClr val="000000"/>
+                </a:solidFill>
+                <a:uFill>
+                  <a:solidFill>
+                    <a:srgbClr val="FFFFFF"/>
+                  </a:solidFill>
+                </a:uFill>
+                <a:latin typeface="Tw Cen MT"/>
+              </a:rPr>
+              <a:t>we intend </a:t>
+            </a:r>
+            <a:r>
+              <a:rPr lang="en-US" spc="-1" dirty="0" smtClean="0">
+                <a:solidFill>
+                  <a:srgbClr val="000000"/>
+                </a:solidFill>
+                <a:uFill>
+                  <a:solidFill>
+                    <a:srgbClr val="FFFFFF"/>
+                  </a:solidFill>
+                </a:uFill>
+                <a:latin typeface="Tw Cen MT"/>
+              </a:rPr>
+              <a:t>to…</a:t>
+            </a:r>
+          </a:p>
+          <a:p>
+            <a:pPr marL="285750" indent="-285750">
+              <a:buFont typeface="Arial" panose="020B0604020202020204" pitchFamily="34" charset="0"/>
+              <a:buChar char="•"/>
+            </a:pPr>
+            <a:r>
+              <a:rPr lang="en-US" spc="-1" dirty="0" smtClean="0">
+                <a:solidFill>
+                  <a:srgbClr val="000000"/>
+                </a:solidFill>
+                <a:uFill>
+                  <a:solidFill>
+                    <a:srgbClr val="FFFFFF"/>
+                  </a:solidFill>
+                </a:uFill>
+                <a:latin typeface="Tw Cen MT"/>
+              </a:rPr>
+              <a:t>Calculate </a:t>
+            </a:r>
+            <a:r>
+              <a:rPr lang="en-US" spc="-1" dirty="0">
+                <a:solidFill>
+                  <a:srgbClr val="000000"/>
+                </a:solidFill>
+                <a:uFill>
+                  <a:solidFill>
+                    <a:srgbClr val="FFFFFF"/>
+                  </a:solidFill>
+                </a:uFill>
+                <a:latin typeface="Tw Cen MT"/>
+              </a:rPr>
+              <a:t>serving size with a Linear Program/Optimization problem using the Simplex </a:t>
+            </a:r>
+            <a:r>
+              <a:rPr lang="en-US" spc="-1" dirty="0" smtClean="0">
+                <a:solidFill>
+                  <a:srgbClr val="000000"/>
+                </a:solidFill>
+                <a:uFill>
+                  <a:solidFill>
+                    <a:srgbClr val="FFFFFF"/>
+                  </a:solidFill>
+                </a:uFill>
+                <a:latin typeface="Tw Cen MT"/>
+              </a:rPr>
+              <a:t>method.</a:t>
+            </a:r>
+          </a:p>
+          <a:p>
+            <a:pPr marL="285750" indent="-285750">
+              <a:buFont typeface="Arial" panose="020B0604020202020204" pitchFamily="34" charset="0"/>
+              <a:buChar char="•"/>
+            </a:pPr>
+            <a:r>
+              <a:rPr lang="en-US" spc="-1" dirty="0" smtClean="0">
+                <a:solidFill>
+                  <a:srgbClr val="000000"/>
+                </a:solidFill>
+                <a:uFill>
+                  <a:solidFill>
+                    <a:srgbClr val="FFFFFF"/>
+                  </a:solidFill>
+                </a:uFill>
+                <a:latin typeface="Tw Cen MT"/>
+              </a:rPr>
+              <a:t>Display </a:t>
+            </a:r>
+            <a:r>
+              <a:rPr lang="en-US" spc="-1" dirty="0">
+                <a:solidFill>
+                  <a:srgbClr val="000000"/>
+                </a:solidFill>
+                <a:uFill>
+                  <a:solidFill>
+                    <a:srgbClr val="FFFFFF"/>
+                  </a:solidFill>
+                </a:uFill>
+                <a:latin typeface="Tw Cen MT"/>
+              </a:rPr>
+              <a:t>the most optimal serving size for each food as a </a:t>
+            </a:r>
+            <a:r>
+              <a:rPr lang="en-US" spc="-1" dirty="0" smtClean="0">
+                <a:solidFill>
+                  <a:srgbClr val="000000"/>
+                </a:solidFill>
+                <a:uFill>
+                  <a:solidFill>
+                    <a:srgbClr val="FFFFFF"/>
+                  </a:solidFill>
+                </a:uFill>
+                <a:latin typeface="Tw Cen MT"/>
+              </a:rPr>
+              <a:t>slider.</a:t>
+            </a:r>
+          </a:p>
+          <a:p>
+            <a:pPr marL="285750" indent="-285750">
+              <a:buFont typeface="Arial" panose="020B0604020202020204" pitchFamily="34" charset="0"/>
+              <a:buChar char="•"/>
+            </a:pPr>
+            <a:r>
+              <a:rPr lang="en-US" spc="-1" dirty="0" smtClean="0">
+                <a:solidFill>
+                  <a:srgbClr val="000000"/>
+                </a:solidFill>
+                <a:uFill>
+                  <a:solidFill>
+                    <a:srgbClr val="FFFFFF"/>
+                  </a:solidFill>
+                </a:uFill>
+                <a:latin typeface="Tw Cen MT"/>
+              </a:rPr>
+              <a:t>The </a:t>
+            </a:r>
+            <a:r>
+              <a:rPr lang="en-US" spc="-1" dirty="0">
+                <a:solidFill>
+                  <a:srgbClr val="000000"/>
+                </a:solidFill>
+                <a:uFill>
+                  <a:solidFill>
+                    <a:srgbClr val="FFFFFF"/>
+                  </a:solidFill>
+                </a:uFill>
+                <a:latin typeface="Tw Cen MT"/>
+              </a:rPr>
+              <a:t>user will then have the option to manually </a:t>
+            </a:r>
+            <a:r>
+              <a:rPr lang="en-US" spc="-1" dirty="0" smtClean="0">
+                <a:solidFill>
+                  <a:srgbClr val="000000"/>
+                </a:solidFill>
+                <a:uFill>
+                  <a:solidFill>
+                    <a:srgbClr val="FFFFFF"/>
+                  </a:solidFill>
+                </a:uFill>
+                <a:latin typeface="Tw Cen MT"/>
+              </a:rPr>
+              <a:t>manipulate each food slider. The other selected foods serving size will adjust accordingly.</a:t>
+            </a:r>
+          </a:p>
+          <a:p>
+            <a:pPr marL="285750" indent="-285750">
+              <a:buFont typeface="Arial" panose="020B0604020202020204" pitchFamily="34" charset="0"/>
+              <a:buChar char="•"/>
+            </a:pPr>
+            <a:r>
+              <a:rPr lang="en-US" spc="-1" dirty="0" smtClean="0">
+                <a:solidFill>
+                  <a:srgbClr val="000000"/>
+                </a:solidFill>
+                <a:uFill>
+                  <a:solidFill>
+                    <a:srgbClr val="FFFFFF"/>
+                  </a:solidFill>
+                </a:uFill>
+                <a:latin typeface="Tw Cen MT"/>
+              </a:rPr>
+              <a:t>If meal macros go over or under initial macro goal, those nutrients will be pushed/pulled from remaining meals.</a:t>
+            </a:r>
+          </a:p>
+          <a:p>
+            <a:pPr marL="285750" indent="-285750">
+              <a:buFont typeface="Arial" panose="020B0604020202020204" pitchFamily="34" charset="0"/>
+              <a:buChar char="•"/>
+            </a:pPr>
+            <a:endParaRPr lang="en-US" spc="-1" dirty="0">
               <a:solidFill>
                 <a:srgbClr val="000000"/>
               </a:solidFill>
@@ -17091,6 +18208,122 @@
               </a:uFill>
               <a:latin typeface="Tw Cen MT"/>
             </a:endParaRPr>
+          </a:p>
+          <a:p>
+            <a:r>
+              <a:rPr lang="en-US" spc="-1" dirty="0" smtClean="0">
+                <a:solidFill>
+                  <a:srgbClr val="000000"/>
+                </a:solidFill>
+                <a:uFill>
+                  <a:solidFill>
+                    <a:srgbClr val="FFFFFF"/>
+                  </a:solidFill>
+                </a:uFill>
+                <a:latin typeface="Tw Cen MT"/>
+              </a:rPr>
+              <a:t>Additional Features</a:t>
+            </a:r>
+          </a:p>
+          <a:p>
+            <a:pPr marL="285750" indent="-285750">
+              <a:buFont typeface="Arial" panose="020B0604020202020204" pitchFamily="34" charset="0"/>
+              <a:buChar char="•"/>
+            </a:pPr>
+            <a:r>
+              <a:rPr lang="en-US" spc="-1" dirty="0" smtClean="0">
+                <a:solidFill>
+                  <a:srgbClr val="000000"/>
+                </a:solidFill>
+                <a:uFill>
+                  <a:solidFill>
+                    <a:srgbClr val="FFFFFF"/>
+                  </a:solidFill>
+                </a:uFill>
+                <a:latin typeface="Tw Cen MT"/>
+              </a:rPr>
+              <a:t>User profile</a:t>
+            </a:r>
+          </a:p>
+          <a:p>
+            <a:pPr marL="285750" indent="-285750">
+              <a:buFont typeface="Arial" panose="020B0604020202020204" pitchFamily="34" charset="0"/>
+              <a:buChar char="•"/>
+            </a:pPr>
+            <a:r>
+              <a:rPr lang="en-US" spc="-1" dirty="0" smtClean="0">
+                <a:solidFill>
+                  <a:srgbClr val="000000"/>
+                </a:solidFill>
+                <a:uFill>
+                  <a:solidFill>
+                    <a:srgbClr val="FFFFFF"/>
+                  </a:solidFill>
+                </a:uFill>
+                <a:latin typeface="Tw Cen MT"/>
+              </a:rPr>
+              <a:t>Personal health/nutrition module</a:t>
+            </a:r>
+          </a:p>
+          <a:p>
+            <a:pPr marL="285750" indent="-285750">
+              <a:buFont typeface="Arial" panose="020B0604020202020204" pitchFamily="34" charset="0"/>
+              <a:buChar char="•"/>
+            </a:pPr>
+            <a:r>
+              <a:rPr lang="en-US" spc="-1" dirty="0" smtClean="0">
+                <a:solidFill>
+                  <a:srgbClr val="000000"/>
+                </a:solidFill>
+                <a:uFill>
+                  <a:solidFill>
+                    <a:srgbClr val="FFFFFF"/>
+                  </a:solidFill>
+                </a:uFill>
+                <a:latin typeface="Tw Cen MT"/>
+              </a:rPr>
+              <a:t>Save multiple daily meal plans.</a:t>
+            </a:r>
+          </a:p>
+          <a:p>
+            <a:pPr marL="285750" indent="-285750">
+              <a:buFont typeface="Arial" panose="020B0604020202020204" pitchFamily="34" charset="0"/>
+              <a:buChar char="•"/>
+            </a:pPr>
+            <a:r>
+              <a:rPr lang="en-US" spc="-1" dirty="0" smtClean="0">
+                <a:solidFill>
+                  <a:srgbClr val="000000"/>
+                </a:solidFill>
+                <a:uFill>
+                  <a:solidFill>
+                    <a:srgbClr val="FFFFFF"/>
+                  </a:solidFill>
+                </a:uFill>
+                <a:latin typeface="Tw Cen MT"/>
+              </a:rPr>
+              <a:t>Add meal plans to days of the week.</a:t>
+            </a:r>
+          </a:p>
+          <a:p>
+            <a:pPr marL="285750" indent="-285750">
+              <a:buFont typeface="Arial" panose="020B0604020202020204" pitchFamily="34" charset="0"/>
+              <a:buChar char="•"/>
+            </a:pPr>
+            <a:r>
+              <a:rPr lang="en-US" spc="-1" dirty="0" smtClean="0">
+                <a:solidFill>
+                  <a:srgbClr val="000000"/>
+                </a:solidFill>
+                <a:uFill>
+                  <a:solidFill>
+                    <a:srgbClr val="FFFFFF"/>
+                  </a:solidFill>
+                </a:uFill>
+                <a:latin typeface="Tw Cen MT"/>
+              </a:rPr>
+              <a:t>Create weekly grocery list.</a:t>
+            </a:r>
           </a:p>
         </p:txBody>
       </p:sp>
@@ -17129,7 +18362,7 @@
 </p:sld>
 </file>
 
-<file path=ppt/slides/slide6.xml><?xml version="1.0" encoding="utf-8"?>
+<file path=ppt/slides/slide7.xml><?xml version="1.0" encoding="utf-8"?>
 <p:sld xmlns:a="http://schemas.openxmlformats.org/drawingml/2006/main" xmlns:r="http://schemas.openxmlformats.org/officeDocument/2006/relationships" xmlns:p="http://schemas.openxmlformats.org/presentationml/2006/main">
   <p:cSld>
     <p:spTree>
@@ -17236,7 +18469,7 @@
               <a:buSzPct val="125000"/>
             </a:pPr>
             <a:r>
-              <a:rPr lang="en-US" sz="2400" spc="-1" dirty="0">
+              <a:rPr lang="en-US" sz="2400" spc="-1" dirty="0" smtClean="0">
                 <a:solidFill>
                   <a:srgbClr val="000000"/>
                 </a:solidFill>
@@ -17247,8 +18480,66 @@
                 </a:uFill>
                 <a:latin typeface="Tw Cen MT"/>
               </a:rPr>
-              <a:t>We still need to improve on the product great deal and we are still improving on splitting up work so not everyone was working on the same files.</a:t>
+              <a:t>We should have verified our first method of calculation first by testing multiple scenarios, before making it the backbone of our entire project.</a:t>
             </a:r>
+          </a:p>
+          <a:p>
+            <a:pPr marL="360">
+              <a:lnSpc>
+                <a:spcPct val="120000"/>
+              </a:lnSpc>
+              <a:buClr>
+                <a:srgbClr val="FFFFFF"/>
+              </a:buClr>
+              <a:buSzPct val="125000"/>
+            </a:pPr>
+            <a:endParaRPr lang="en-US" sz="2400" spc="-1" dirty="0">
+              <a:solidFill>
+                <a:srgbClr val="000000"/>
+              </a:solidFill>
+              <a:uFill>
+                <a:solidFill>
+                  <a:srgbClr val="FFFFFF"/>
+                </a:solidFill>
+              </a:uFill>
+              <a:latin typeface="Tw Cen MT"/>
+            </a:endParaRPr>
+          </a:p>
+          <a:p>
+            <a:pPr marL="360">
+              <a:lnSpc>
+                <a:spcPct val="120000"/>
+              </a:lnSpc>
+              <a:buClr>
+                <a:srgbClr val="FFFFFF"/>
+              </a:buClr>
+              <a:buSzPct val="125000"/>
+            </a:pPr>
+            <a:r>
+              <a:rPr lang="en-US" sz="2400" spc="-1" dirty="0" smtClean="0">
+                <a:solidFill>
+                  <a:srgbClr val="000000"/>
+                </a:solidFill>
+                <a:uFill>
+                  <a:solidFill>
+                    <a:srgbClr val="FFFFFF"/>
+                  </a:solidFill>
+                </a:uFill>
+                <a:latin typeface="Tw Cen MT"/>
+              </a:rPr>
+              <a:t>Communication and planning were better than previous projects, but still need a lot of improvement. We have already had our initial scrum meeting for project four where we established our expectations of each member for the next two weeks. We need to continue to build on this level of planning and communication.</a:t>
+            </a:r>
+            <a:endParaRPr lang="en-US" sz="2400" spc="-1" dirty="0">
+              <a:solidFill>
+                <a:srgbClr val="000000"/>
+              </a:solidFill>
+              <a:uFill>
+                <a:solidFill>
+                  <a:srgbClr val="FFFFFF"/>
+                </a:solidFill>
+              </a:uFill>
+              <a:latin typeface="Tw Cen MT"/>
+            </a:endParaRPr>
           </a:p>
         </p:txBody>
       </p:sp>
@@ -17735,4 +19026,289 @@
   <a:objectDefaults/>
   <a:extraClrSchemeLst/>
 </a:theme>
+</file>
+
+<file path=ppt/theme/theme3.xml><?xml version="1.0" encoding="utf-8"?>
+<a:theme xmlns:a="http://schemas.openxmlformats.org/drawingml/2006/main" name="Office Theme">
+  <a:themeElements>
+    <a:clrScheme name="Office">
+      <a:dk1>
+        <a:sysClr val="windowText" lastClr="000000"/>
+      </a:dk1>
+      <a:lt1>
+        <a:sysClr val="window" lastClr="FFFFFF"/>
+      </a:lt1>
+      <a:dk2>
+        <a:srgbClr val="1F497D"/>
+      </a:dk2>
+      <a:lt2>
+        <a:srgbClr val="EEECE1"/>
+      </a:lt2>
+      <a:accent1>
+        <a:srgbClr val="4F81BD"/>
+      </a:accent1>
+      <a:accent2>
+        <a:srgbClr val="C0504D"/>
+      </a:accent2>
+      <a:accent3>
+        <a:srgbClr val="9BBB59"/>
+      </a:accent3>
+      <a:accent4>
+        <a:srgbClr val="8064A2"/>
+      </a:accent4>
+      <a:accent5>
+        <a:srgbClr val="4BACC6"/>
+      </a:accent5>
+      <a:accent6>
+        <a:srgbClr val="F79646"/>
+      </a:accent6>
+      <a:hlink>
+        <a:srgbClr val="0000FF"/>
+      </a:hlink>
+      <a:folHlink>
+        <a:srgbClr val="800080"/>
+      </a:folHlink>
+    </a:clrScheme>
+    <a:fontScheme name="Office">
+      <a:majorFont>
+        <a:latin typeface="Calibri"/>
+        <a:ea typeface=""/>
+        <a:cs typeface=""/>
+        <a:font script="Jpan" typeface="ＭＳ Ｐゴシック"/>
+        <a:font script="Hang" typeface="맑은 고딕"/>
+        <a:font script="Hans" typeface="宋体"/>
+        <a:font script="Hant" typeface="新細明體"/>
+        <a:font script="Arab" typeface="Times New Roman"/>
+        <a:font script="Hebr" typeface="Times New Roman"/>
+        <a:font script="Thai" typeface="Angsana New"/>
+        <a:font script="Ethi" typeface="Nyala"/>
+        <a:font script="Beng" typeface="Vrinda"/>
+        <a:font script="Gujr" typeface="Shruti"/>
+        <a:font script="Khmr" typeface="MoolBoran"/>
+        <a:font script="Knda" typeface="Tunga"/>
+        <a:font script="Guru" typeface="Raavi"/>
+        <a:font script="Cans" typeface="Euphemia"/>
+        <a:font script="Cher" typeface="Plantagenet Cherokee"/>
+        <a:font script="Yiii" typeface="Microsoft Yi Baiti"/>
+        <a:font script="Tibt" typeface="Microsoft Himalaya"/>
+        <a:font script="Thaa" typeface="MV Boli"/>
+        <a:font script="Deva" typeface="Mangal"/>
+        <a:font script="Telu" typeface="Gautami"/>
+        <a:font script="Taml" typeface="Latha"/>
+        <a:font script="Syrc" typeface="Estrangelo Edessa"/>
+        <a:font script="Orya" typeface="Kalinga"/>
+        <a:font script="Mlym" typeface="Kartika"/>
+        <a:font script="Laoo" typeface="DokChampa"/>
+        <a:font script="Sinh" typeface="Iskoola Pota"/>
+        <a:font script="Mong" typeface="Mongolian Baiti"/>
+        <a:font script="Viet" typeface="Times New Roman"/>
+        <a:font script="Uigh" typeface="Microsoft Uighur"/>
+        <a:font script="Geor" typeface="Sylfaen"/>
+      </a:majorFont>
+      <a:minorFont>
+        <a:latin typeface="Calibri"/>
+        <a:ea typeface=""/>
+        <a:cs typeface=""/>
+        <a:font script="Jpan" typeface="ＭＳ Ｐゴシック"/>
+        <a:font script="Hang" typeface="맑은 고딕"/>
+        <a:font script="Hans" typeface="宋体"/>
+        <a:font script="Hant" typeface="新細明體"/>
+        <a:font script="Arab" typeface="Arial"/>
+        <a:font script="Hebr" typeface="Arial"/>
+        <a:font script="Thai" typeface="Cordia New"/>
+        <a:font script="Ethi" typeface="Nyala"/>
+        <a:font script="Beng" typeface="Vrinda"/>
+        <a:font script="Gujr" typeface="Shruti"/>
+        <a:font script="Khmr" typeface="DaunPenh"/>
+        <a:font script="Knda" typeface="Tunga"/>
+        <a:font script="Guru" typeface="Raavi"/>
+        <a:font script="Cans" typeface="Euphemia"/>
+        <a:font script="Cher" typeface="Plantagenet Cherokee"/>
+        <a:font script="Yiii" typeface="Microsoft Yi Baiti"/>
+        <a:font script="Tibt" typeface="Microsoft Himalaya"/>
+        <a:font script="Thaa" typeface="MV Boli"/>
+        <a:font script="Deva" typeface="Mangal"/>
+        <a:font script="Telu" typeface="Gautami"/>
+        <a:font script="Taml" typeface="Latha"/>
+        <a:font script="Syrc" typeface="Estrangelo Edessa"/>
+        <a:font script="Orya" typeface="Kalinga"/>
+        <a:font script="Mlym" typeface="Kartika"/>
+        <a:font script="Laoo" typeface="DokChampa"/>
+        <a:font script="Sinh" typeface="Iskoola Pota"/>
+        <a:font script="Mong" typeface="Mongolian Baiti"/>
+        <a:font script="Viet" typeface="Arial"/>
+        <a:font script="Uigh" typeface="Microsoft Uighur"/>
+        <a:font script="Geor" typeface="Sylfaen"/>
+      </a:minorFont>
+    </a:fontScheme>
+    <a:fmtScheme name="Office">
+      <a:fillStyleLst>
+        <a:solidFill>
+          <a:schemeClr val="phClr"/>
+        </a:solidFill>
+        <a:gradFill rotWithShape="1">
+          <a:gsLst>
+            <a:gs pos="0">
+              <a:schemeClr val="phClr">
+                <a:tint val="50000"/>
+                <a:satMod val="300000"/>
+              </a:schemeClr>
+            </a:gs>
+            <a:gs pos="35000">
+              <a:schemeClr val="phClr">
+                <a:tint val="37000"/>
+                <a:satMod val="300000"/>
+              </a:schemeClr>
+            </a:gs>
+            <a:gs pos="100000">
+              <a:schemeClr val="phClr">
+                <a:tint val="15000"/>
+                <a:satMod val="350000"/>
+              </a:schemeClr>
+            </a:gs>
+          </a:gsLst>
+          <a:lin ang="16200000" scaled="1"/>
+        </a:gradFill>
+        <a:gradFill rotWithShape="1">
+          <a:gsLst>
+            <a:gs pos="0">
+              <a:schemeClr val="phClr">
+                <a:shade val="51000"/>
+                <a:satMod val="130000"/>
+              </a:schemeClr>
+            </a:gs>
+            <a:gs pos="80000">
+              <a:schemeClr val="phClr">
+                <a:shade val="93000"/>
+                <a:satMod val="130000"/>
+              </a:schemeClr>
+            </a:gs>
+            <a:gs pos="100000">
+              <a:schemeClr val="phClr">
+                <a:shade val="94000"/>
+                <a:satMod val="135000"/>
+              </a:schemeClr>
+            </a:gs>
+          </a:gsLst>
+          <a:lin ang="16200000" scaled="0"/>
+        </a:gradFill>
+      </a:fillStyleLst>
+      <a:lnStyleLst>
+        <a:ln w="9525" cap="flat" cmpd="sng" algn="ctr">
+          <a:solidFill>
+            <a:schemeClr val="phClr">
+              <a:shade val="95000"/>
+              <a:satMod val="105000"/>
+            </a:schemeClr>
+          </a:solidFill>
+          <a:prstDash val="solid"/>
+        </a:ln>
+        <a:ln w="25400" cap="flat" cmpd="sng" algn="ctr">
+          <a:solidFill>
+            <a:schemeClr val="phClr"/>
+          </a:solidFill>
+          <a:prstDash val="solid"/>
+        </a:ln>
+        <a:ln w="38100" cap="flat" cmpd="sng" algn="ctr">
+          <a:solidFill>
+            <a:schemeClr val="phClr"/>
+          </a:solidFill>
+          <a:prstDash val="solid"/>
+        </a:ln>
+      </a:lnStyleLst>
+      <a:effectStyleLst>
+        <a:effectStyle>
+          <a:effectLst>
+            <a:outerShdw blurRad="40000" dist="20000" dir="5400000" rotWithShape="0">
+              <a:srgbClr val="000000">
+                <a:alpha val="38000"/>
+              </a:srgbClr>
+            </a:outerShdw>
+          </a:effectLst>
+        </a:effectStyle>
+        <a:effectStyle>
+          <a:effectLst>
+            <a:outerShdw blurRad="40000" dist="23000" dir="5400000" rotWithShape="0">
+              <a:srgbClr val="000000">
+                <a:alpha val="35000"/>
+              </a:srgbClr>
+            </a:outerShdw>
+          </a:effectLst>
+        </a:effectStyle>
+        <a:effectStyle>
+          <a:effectLst>
+            <a:outerShdw blurRad="40000" dist="23000" dir="5400000" rotWithShape="0">
+              <a:srgbClr val="000000">
+                <a:alpha val="35000"/>
+              </a:srgbClr>
+            </a:outerShdw>
+          </a:effectLst>
+          <a:scene3d>
+            <a:camera prst="orthographicFront">
+              <a:rot lat="0" lon="0" rev="0"/>
+            </a:camera>
+            <a:lightRig rig="threePt" dir="t">
+              <a:rot lat="0" lon="0" rev="1200000"/>
+            </a:lightRig>
+          </a:scene3d>
+          <a:sp3d>
+            <a:bevelT w="63500" h="25400"/>
+          </a:sp3d>
+        </a:effectStyle>
+      </a:effectStyleLst>
+      <a:bgFillStyleLst>
+        <a:solidFill>
+          <a:schemeClr val="phClr"/>
+        </a:solidFill>
+        <a:gradFill rotWithShape="1">
+          <a:gsLst>
+            <a:gs pos="0">
+              <a:schemeClr val="phClr">
+                <a:tint val="40000"/>
+                <a:satMod val="350000"/>
+              </a:schemeClr>
+            </a:gs>
+            <a:gs pos="40000">
+              <a:schemeClr val="phClr">
+                <a:tint val="45000"/>
+                <a:shade val="99000"/>
+                <a:satMod val="350000"/>
+              </a:schemeClr>
+            </a:gs>
+            <a:gs pos="100000">
+              <a:schemeClr val="phClr">
+                <a:shade val="20000"/>
+                <a:satMod val="255000"/>
+              </a:schemeClr>
+            </a:gs>
+          </a:gsLst>
+          <a:path path="circle">
+            <a:fillToRect l="50000" t="-80000" r="50000" b="180000"/>
+          </a:path>
+        </a:gradFill>
+        <a:gradFill rotWithShape="1">
+          <a:gsLst>
+            <a:gs pos="0">
+              <a:schemeClr val="phClr">
+                <a:tint val="80000"/>
+                <a:satMod val="300000"/>
+              </a:schemeClr>
+            </a:gs>
+            <a:gs pos="100000">
+              <a:schemeClr val="phClr">
+                <a:shade val="30000"/>
+                <a:satMod val="200000"/>
+              </a:schemeClr>
+            </a:gs>
+          </a:gsLst>
+          <a:path path="circle">
+            <a:fillToRect l="50000" t="50000" r="50000" b="50000"/>
+          </a:path>
+        </a:gradFill>
+      </a:bgFillStyleLst>
+    </a:fmtScheme>
+  </a:themeElements>
+  <a:objectDefaults/>
+  <a:extraClrSchemeLst/>
+</a:theme>
 </file>